--- a/Presentations/Service Fabric/Lab 1 Repeater Slides.pptx
+++ b/Presentations/Service Fabric/Lab 1 Repeater Slides.pptx
@@ -13,8 +13,8 @@
   </p:handoutMasterIdLst>
   <p:sldIdLst>
     <p:sldId id="1526" r:id="rId6"/>
-    <p:sldId id="1528" r:id="rId7"/>
-    <p:sldId id="1527" r:id="rId8"/>
+    <p:sldId id="1527" r:id="rId7"/>
+    <p:sldId id="1528" r:id="rId8"/>
   </p:sldIdLst>
   <p:sldSz cx="12436475" cy="6994525"/>
   <p:notesSz cx="6858000" cy="9144000"/>
@@ -119,8 +119,8 @@
         <p14:section name="Cluster and Placement Constraints" id="{509BFEB0-0A5E-4F8C-A142-792FAB6DF680}">
           <p14:sldIdLst>
             <p14:sldId id="1526"/>
+            <p14:sldId id="1527"/>
             <p14:sldId id="1528"/>
-            <p14:sldId id="1527"/>
           </p14:sldIdLst>
         </p14:section>
       </p14:sectionLst>
@@ -256,7 +256,7 @@
               <a:rPr lang="en-US" smtClean="0">
                 <a:latin typeface="Segoe UI" pitchFamily="34" charset="0"/>
               </a:rPr>
-              <a:t>10/21/2016 11:38 AM</a:t>
+              <a:t>10/21/2016 4:25 PM</a:t>
             </a:fld>
             <a:endParaRPr lang="en-US" dirty="0">
               <a:latin typeface="Segoe UI" pitchFamily="34" charset="0"/>
@@ -537,7 +537,7 @@
           <a:p>
             <a:fld id="{38EEC551-8CDA-4EB6-89BB-2A86C9F091C8}" type="datetime8">
               <a:rPr lang="en-US" smtClean="0"/>
-              <a:t>10/21/2016 11:38 AM</a:t>
+              <a:t>10/21/2016 4:25 PM</a:t>
             </a:fld>
             <a:endParaRPr lang="en-US" dirty="0"/>
           </a:p>
@@ -924,7 +924,7 @@
           <a:p>
             <a:fld id="{38EEC551-8CDA-4EB6-89BB-2A86C9F091C8}" type="datetime8">
               <a:rPr lang="en-US" smtClean="0"/>
-              <a:t>10/21/2016 11:45 AM</a:t>
+              <a:t>10/21/2016 4:25 PM</a:t>
             </a:fld>
             <a:endParaRPr lang="en-US" dirty="0"/>
           </a:p>
@@ -1109,7 +1109,7 @@
           <a:p>
             <a:fld id="{38EEC551-8CDA-4EB6-89BB-2A86C9F091C8}" type="datetime8">
               <a:rPr lang="en-US" smtClean="0"/>
-              <a:t>10/21/2016 11:45 AM</a:t>
+              <a:t>10/21/2016 4:25 PM</a:t>
             </a:fld>
             <a:endParaRPr lang="en-US" dirty="0"/>
           </a:p>
@@ -1142,7 +1142,7 @@
     </p:spTree>
     <p:extLst>
       <p:ext uri="{BB962C8B-B14F-4D97-AF65-F5344CB8AC3E}">
-        <p14:creationId xmlns:p14="http://schemas.microsoft.com/office/powerpoint/2010/main" val="1405967213"/>
+        <p14:creationId xmlns:p14="http://schemas.microsoft.com/office/powerpoint/2010/main" val="3217150796"/>
       </p:ext>
     </p:extLst>
   </p:cSld>
@@ -1294,7 +1294,7 @@
           <a:p>
             <a:fld id="{38EEC551-8CDA-4EB6-89BB-2A86C9F091C8}" type="datetime8">
               <a:rPr lang="en-US" smtClean="0"/>
-              <a:t>10/21/2016 11:45 AM</a:t>
+              <a:t>10/21/2016 4:25 PM</a:t>
             </a:fld>
             <a:endParaRPr lang="en-US" dirty="0"/>
           </a:p>
@@ -1327,7 +1327,7 @@
     </p:spTree>
     <p:extLst>
       <p:ext uri="{BB962C8B-B14F-4D97-AF65-F5344CB8AC3E}">
-        <p14:creationId xmlns:p14="http://schemas.microsoft.com/office/powerpoint/2010/main" val="3217150796"/>
+        <p14:creationId xmlns:p14="http://schemas.microsoft.com/office/powerpoint/2010/main" val="1405967213"/>
       </p:ext>
     </p:extLst>
   </p:cSld>
@@ -16446,368 +16446,6 @@
       </p:sp>
       <p:sp>
         <p:nvSpPr>
-          <p:cNvPr id="10" name="Text Placeholder 4"/>
-          <p:cNvSpPr txBox="1">
-            <a:spLocks/>
-          </p:cNvSpPr>
-          <p:nvPr/>
-        </p:nvSpPr>
-        <p:spPr>
-          <a:xfrm>
-            <a:off x="277839" y="1421562"/>
-            <a:ext cx="12818272" cy="2837700"/>
-          </a:xfrm>
-          <a:prstGeom prst="rect">
-            <a:avLst/>
-          </a:prstGeom>
-        </p:spPr>
-        <p:txBody>
-          <a:bodyPr vert="horz" wrap="square" lIns="146304" tIns="91440" rIns="146304" bIns="91440" rtlCol="0">
-            <a:spAutoFit/>
-          </a:bodyPr>
-          <a:lstStyle>
-            <a:lvl1pPr marL="0" marR="0" indent="0" algn="l" defTabSz="932742" rtl="0" eaLnBrk="1" fontAlgn="auto" latinLnBrk="0" hangingPunct="1">
-              <a:lnSpc>
-                <a:spcPct val="90000"/>
-              </a:lnSpc>
-              <a:spcBef>
-                <a:spcPct val="20000"/>
-              </a:spcBef>
-              <a:spcAft>
-                <a:spcPts val="0"/>
-              </a:spcAft>
-              <a:buClrTx/>
-              <a:buSzPct val="90000"/>
-              <a:buFont typeface="Arial" pitchFamily="34" charset="0"/>
-              <a:buNone/>
-              <a:tabLst/>
-              <a:defRPr lang="en-US" sz="4000" kern="1200" spc="0" baseline="0">
-                <a:gradFill>
-                  <a:gsLst>
-                    <a:gs pos="1250">
-                      <a:schemeClr val="tx1"/>
-                    </a:gs>
-                    <a:gs pos="99000">
-                      <a:schemeClr val="tx1"/>
-                    </a:gs>
-                  </a:gsLst>
-                  <a:lin ang="5400000" scaled="0"/>
-                </a:gradFill>
-                <a:latin typeface="+mj-lt"/>
-                <a:ea typeface="+mn-ea"/>
-                <a:cs typeface="+mn-cs"/>
-              </a:defRPr>
-            </a:lvl1pPr>
-            <a:lvl2pPr marL="0" marR="0" indent="0" algn="l" defTabSz="932742" rtl="0" eaLnBrk="1" fontAlgn="auto" latinLnBrk="0" hangingPunct="1">
-              <a:lnSpc>
-                <a:spcPct val="90000"/>
-              </a:lnSpc>
-              <a:spcBef>
-                <a:spcPct val="20000"/>
-              </a:spcBef>
-              <a:spcAft>
-                <a:spcPts val="0"/>
-              </a:spcAft>
-              <a:buClrTx/>
-              <a:buSzPct val="90000"/>
-              <a:buFontTx/>
-              <a:buNone/>
-              <a:tabLst/>
-              <a:defRPr lang="en-US" sz="2400" kern="1200" spc="0" baseline="0">
-                <a:gradFill>
-                  <a:gsLst>
-                    <a:gs pos="1250">
-                      <a:schemeClr val="tx1"/>
-                    </a:gs>
-                    <a:gs pos="100000">
-                      <a:schemeClr val="tx1"/>
-                    </a:gs>
-                  </a:gsLst>
-                  <a:lin ang="5400000" scaled="0"/>
-                </a:gradFill>
-                <a:latin typeface="+mn-lt"/>
-                <a:ea typeface="+mn-ea"/>
-                <a:cs typeface="Segoe UI" panose="020B0502040204020203" pitchFamily="34" charset="0"/>
-              </a:defRPr>
-            </a:lvl2pPr>
-            <a:lvl3pPr marL="228600" marR="0" indent="0" algn="l" defTabSz="932742" rtl="0" eaLnBrk="1" fontAlgn="auto" latinLnBrk="0" hangingPunct="1">
-              <a:lnSpc>
-                <a:spcPct val="90000"/>
-              </a:lnSpc>
-              <a:spcBef>
-                <a:spcPct val="20000"/>
-              </a:spcBef>
-              <a:spcAft>
-                <a:spcPts val="0"/>
-              </a:spcAft>
-              <a:buClrTx/>
-              <a:buSzPct val="90000"/>
-              <a:buFont typeface="Arial" pitchFamily="34" charset="0"/>
-              <a:buNone/>
-              <a:tabLst/>
-              <a:defRPr sz="2000" kern="1200" spc="0" baseline="0">
-                <a:gradFill>
-                  <a:gsLst>
-                    <a:gs pos="1250">
-                      <a:schemeClr val="tx1"/>
-                    </a:gs>
-                    <a:gs pos="100000">
-                      <a:schemeClr val="tx1"/>
-                    </a:gs>
-                  </a:gsLst>
-                  <a:lin ang="5400000" scaled="0"/>
-                </a:gradFill>
-                <a:latin typeface="+mn-lt"/>
-                <a:ea typeface="+mn-ea"/>
-                <a:cs typeface="Segoe UI" panose="020B0502040204020203" pitchFamily="34" charset="0"/>
-              </a:defRPr>
-            </a:lvl3pPr>
-            <a:lvl4pPr marL="457200" marR="0" indent="0" algn="l" defTabSz="932742" rtl="0" eaLnBrk="1" fontAlgn="auto" latinLnBrk="0" hangingPunct="1">
-              <a:lnSpc>
-                <a:spcPct val="90000"/>
-              </a:lnSpc>
-              <a:spcBef>
-                <a:spcPct val="20000"/>
-              </a:spcBef>
-              <a:spcAft>
-                <a:spcPts val="0"/>
-              </a:spcAft>
-              <a:buClrTx/>
-              <a:buSzPct val="90000"/>
-              <a:buFont typeface="Arial" pitchFamily="34" charset="0"/>
-              <a:buNone/>
-              <a:tabLst/>
-              <a:defRPr sz="1800" kern="1200" spc="0" baseline="0">
-                <a:gradFill>
-                  <a:gsLst>
-                    <a:gs pos="1250">
-                      <a:schemeClr val="tx1"/>
-                    </a:gs>
-                    <a:gs pos="100000">
-                      <a:schemeClr val="tx1"/>
-                    </a:gs>
-                  </a:gsLst>
-                  <a:lin ang="5400000" scaled="0"/>
-                </a:gradFill>
-                <a:latin typeface="+mn-lt"/>
-                <a:ea typeface="+mn-ea"/>
-                <a:cs typeface="Segoe UI" panose="020B0502040204020203" pitchFamily="34" charset="0"/>
-              </a:defRPr>
-            </a:lvl4pPr>
-            <a:lvl5pPr marL="685800" marR="0" indent="0" algn="l" defTabSz="932742" rtl="0" eaLnBrk="1" fontAlgn="auto" latinLnBrk="0" hangingPunct="1">
-              <a:lnSpc>
-                <a:spcPct val="90000"/>
-              </a:lnSpc>
-              <a:spcBef>
-                <a:spcPct val="20000"/>
-              </a:spcBef>
-              <a:spcAft>
-                <a:spcPts val="0"/>
-              </a:spcAft>
-              <a:buClrTx/>
-              <a:buSzPct val="90000"/>
-              <a:buFont typeface="Arial" pitchFamily="34" charset="0"/>
-              <a:buNone/>
-              <a:tabLst/>
-              <a:defRPr sz="1800" kern="1200" spc="0" baseline="0">
-                <a:gradFill>
-                  <a:gsLst>
-                    <a:gs pos="1250">
-                      <a:schemeClr val="tx1"/>
-                    </a:gs>
-                    <a:gs pos="100000">
-                      <a:schemeClr val="tx1"/>
-                    </a:gs>
-                  </a:gsLst>
-                  <a:lin ang="5400000" scaled="0"/>
-                </a:gradFill>
-                <a:latin typeface="+mn-lt"/>
-                <a:ea typeface="+mn-ea"/>
-                <a:cs typeface="Segoe UI" panose="020B0502040204020203" pitchFamily="34" charset="0"/>
-              </a:defRPr>
-            </a:lvl5pPr>
-            <a:lvl6pPr marL="2565040" indent="-233186" algn="l" defTabSz="932742" rtl="0" eaLnBrk="1" latinLnBrk="0" hangingPunct="1">
-              <a:spcBef>
-                <a:spcPct val="20000"/>
-              </a:spcBef>
-              <a:buFont typeface="Arial" pitchFamily="34" charset="0"/>
-              <a:buChar char="•"/>
-              <a:defRPr sz="2000" kern="1200">
-                <a:solidFill>
-                  <a:schemeClr val="tx1"/>
-                </a:solidFill>
-                <a:latin typeface="+mn-lt"/>
-                <a:ea typeface="+mn-ea"/>
-                <a:cs typeface="+mn-cs"/>
-              </a:defRPr>
-            </a:lvl6pPr>
-            <a:lvl7pPr marL="3031412" indent="-233186" algn="l" defTabSz="932742" rtl="0" eaLnBrk="1" latinLnBrk="0" hangingPunct="1">
-              <a:spcBef>
-                <a:spcPct val="20000"/>
-              </a:spcBef>
-              <a:buFont typeface="Arial" pitchFamily="34" charset="0"/>
-              <a:buChar char="•"/>
-              <a:defRPr sz="2000" kern="1200">
-                <a:solidFill>
-                  <a:schemeClr val="tx1"/>
-                </a:solidFill>
-                <a:latin typeface="+mn-lt"/>
-                <a:ea typeface="+mn-ea"/>
-                <a:cs typeface="+mn-cs"/>
-              </a:defRPr>
-            </a:lvl7pPr>
-            <a:lvl8pPr marL="3497783" indent="-233186" algn="l" defTabSz="932742" rtl="0" eaLnBrk="1" latinLnBrk="0" hangingPunct="1">
-              <a:spcBef>
-                <a:spcPct val="20000"/>
-              </a:spcBef>
-              <a:buFont typeface="Arial" pitchFamily="34" charset="0"/>
-              <a:buChar char="•"/>
-              <a:defRPr sz="2000" kern="1200">
-                <a:solidFill>
-                  <a:schemeClr val="tx1"/>
-                </a:solidFill>
-                <a:latin typeface="+mn-lt"/>
-                <a:ea typeface="+mn-ea"/>
-                <a:cs typeface="+mn-cs"/>
-              </a:defRPr>
-            </a:lvl8pPr>
-            <a:lvl9pPr marL="3964155" indent="-233186" algn="l" defTabSz="932742" rtl="0" eaLnBrk="1" latinLnBrk="0" hangingPunct="1">
-              <a:spcBef>
-                <a:spcPct val="20000"/>
-              </a:spcBef>
-              <a:buFont typeface="Arial" pitchFamily="34" charset="0"/>
-              <a:buChar char="•"/>
-              <a:defRPr sz="2000" kern="1200">
-                <a:solidFill>
-                  <a:schemeClr val="tx1"/>
-                </a:solidFill>
-                <a:latin typeface="+mn-lt"/>
-                <a:ea typeface="+mn-ea"/>
-                <a:cs typeface="+mn-cs"/>
-              </a:defRPr>
-            </a:lvl9pPr>
-          </a:lstStyle>
-          <a:p>
-            <a:r>
-              <a:rPr lang="en-US" dirty="0">
-                <a:latin typeface="+mn-lt"/>
-              </a:rPr>
-              <a:t>Part 2</a:t>
-            </a:r>
-          </a:p>
-          <a:p>
-            <a:pPr marL="571500" indent="-571500">
-              <a:buFontTx/>
-              <a:buChar char="-"/>
-            </a:pPr>
-            <a:r>
-              <a:rPr lang="en-US" sz="4400" dirty="0">
-                <a:latin typeface="+mn-lt"/>
-              </a:rPr>
-              <a:t>Remove fixed port on back end</a:t>
-            </a:r>
-          </a:p>
-          <a:p>
-            <a:pPr marL="571500" indent="-571500">
-              <a:buFontTx/>
-              <a:buChar char="-"/>
-            </a:pPr>
-            <a:r>
-              <a:rPr lang="en-US" sz="4400" dirty="0">
-                <a:latin typeface="+mn-lt"/>
-              </a:rPr>
-              <a:t>Have front end discover endpoint via Naming Service</a:t>
-            </a:r>
-          </a:p>
-        </p:txBody>
-      </p:sp>
-      <p:sp>
-        <p:nvSpPr>
-          <p:cNvPr id="11" name="Rectangle 10"/>
-          <p:cNvSpPr/>
-          <p:nvPr/>
-        </p:nvSpPr>
-        <p:spPr>
-          <a:xfrm>
-            <a:off x="350837" y="5630862"/>
-            <a:ext cx="11734800" cy="707886"/>
-          </a:xfrm>
-          <a:prstGeom prst="rect">
-            <a:avLst/>
-          </a:prstGeom>
-        </p:spPr>
-        <p:txBody>
-          <a:bodyPr wrap="square">
-            <a:spAutoFit/>
-          </a:bodyPr>
-          <a:lstStyle/>
-          <a:p>
-            <a:pPr algn="ctr"/>
-            <a:r>
-              <a:rPr lang="en-US" sz="4000" b="1" dirty="0"/>
-              <a:t>https://aka.ms/brent-servicefabric-bhworkshop</a:t>
-            </a:r>
-            <a:endParaRPr lang="en-US" sz="2400" dirty="0"/>
-          </a:p>
-        </p:txBody>
-      </p:sp>
-    </p:spTree>
-    <p:extLst>
-      <p:ext uri="{BB962C8B-B14F-4D97-AF65-F5344CB8AC3E}">
-        <p14:creationId xmlns:p14="http://schemas.microsoft.com/office/powerpoint/2010/main" val="3868084602"/>
-      </p:ext>
-    </p:extLst>
-  </p:cSld>
-  <p:clrMapOvr>
-    <a:masterClrMapping/>
-  </p:clrMapOvr>
-  <p:transition spd="med" advClick="0" advTm="5000">
-    <p:pull/>
-  </p:transition>
-</p:sld>
-</file>
-
-<file path=ppt/slides/slide3.xml><?xml version="1.0" encoding="utf-8"?>
-<p:sld xmlns:a="http://schemas.openxmlformats.org/drawingml/2006/main" xmlns:r="http://schemas.openxmlformats.org/officeDocument/2006/relationships" xmlns:p="http://schemas.openxmlformats.org/presentationml/2006/main">
-  <p:cSld>
-    <p:spTree>
-      <p:nvGrpSpPr>
-        <p:cNvPr id="1" name=""/>
-        <p:cNvGrpSpPr/>
-        <p:nvPr/>
-      </p:nvGrpSpPr>
-      <p:grpSpPr>
-        <a:xfrm>
-          <a:off x="0" y="0"/>
-          <a:ext cx="0" cy="0"/>
-          <a:chOff x="0" y="0"/>
-          <a:chExt cx="0" cy="0"/>
-        </a:xfrm>
-      </p:grpSpPr>
-      <p:sp>
-        <p:nvSpPr>
-          <p:cNvPr id="4" name="Title 3"/>
-          <p:cNvSpPr>
-            <a:spLocks noGrp="1"/>
-          </p:cNvSpPr>
-          <p:nvPr>
-            <p:ph type="title"/>
-          </p:nvPr>
-        </p:nvSpPr>
-        <p:spPr/>
-        <p:txBody>
-          <a:bodyPr/>
-          <a:lstStyle/>
-          <a:p>
-            <a:r>
-              <a:rPr lang="en-US" b="1" dirty="0"/>
-              <a:t>Workshop Lab 1</a:t>
-            </a:r>
-          </a:p>
-        </p:txBody>
-      </p:sp>
-      <p:sp>
-        <p:nvSpPr>
           <p:cNvPr id="6" name="Text Placeholder 4"/>
           <p:cNvSpPr txBox="1">
             <a:spLocks/>
@@ -17054,7 +16692,7 @@
               <a:rPr lang="en-US" dirty="0">
                 <a:latin typeface="+mn-lt"/>
               </a:rPr>
-              <a:t>Part 3</a:t>
+              <a:t>Part 2</a:t>
             </a:r>
           </a:p>
           <a:p>
@@ -17105,6 +16743,380 @@
     <p:extLst>
       <p:ext uri="{BB962C8B-B14F-4D97-AF65-F5344CB8AC3E}">
         <p14:creationId xmlns:p14="http://schemas.microsoft.com/office/powerpoint/2010/main" val="2712656370"/>
+      </p:ext>
+    </p:extLst>
+  </p:cSld>
+  <p:clrMapOvr>
+    <a:masterClrMapping/>
+  </p:clrMapOvr>
+  <p:transition spd="med" advClick="0" advTm="5000">
+    <p:pull/>
+  </p:transition>
+</p:sld>
+</file>
+
+<file path=ppt/slides/slide3.xml><?xml version="1.0" encoding="utf-8"?>
+<p:sld xmlns:a="http://schemas.openxmlformats.org/drawingml/2006/main" xmlns:r="http://schemas.openxmlformats.org/officeDocument/2006/relationships" xmlns:p="http://schemas.openxmlformats.org/presentationml/2006/main">
+  <p:cSld>
+    <p:spTree>
+      <p:nvGrpSpPr>
+        <p:cNvPr id="1" name=""/>
+        <p:cNvGrpSpPr/>
+        <p:nvPr/>
+      </p:nvGrpSpPr>
+      <p:grpSpPr>
+        <a:xfrm>
+          <a:off x="0" y="0"/>
+          <a:ext cx="0" cy="0"/>
+          <a:chOff x="0" y="0"/>
+          <a:chExt cx="0" cy="0"/>
+        </a:xfrm>
+      </p:grpSpPr>
+      <p:sp>
+        <p:nvSpPr>
+          <p:cNvPr id="4" name="Title 3"/>
+          <p:cNvSpPr>
+            <a:spLocks noGrp="1"/>
+          </p:cNvSpPr>
+          <p:nvPr>
+            <p:ph type="title"/>
+          </p:nvPr>
+        </p:nvSpPr>
+        <p:spPr/>
+        <p:txBody>
+          <a:bodyPr/>
+          <a:lstStyle/>
+          <a:p>
+            <a:r>
+              <a:rPr lang="en-US" b="1" dirty="0"/>
+              <a:t>Workshop Lab 1</a:t>
+            </a:r>
+          </a:p>
+        </p:txBody>
+      </p:sp>
+      <p:sp>
+        <p:nvSpPr>
+          <p:cNvPr id="10" name="Text Placeholder 4"/>
+          <p:cNvSpPr txBox="1">
+            <a:spLocks/>
+          </p:cNvSpPr>
+          <p:nvPr/>
+        </p:nvSpPr>
+        <p:spPr>
+          <a:xfrm>
+            <a:off x="277839" y="1421562"/>
+            <a:ext cx="12818272" cy="3447098"/>
+          </a:xfrm>
+          <a:prstGeom prst="rect">
+            <a:avLst/>
+          </a:prstGeom>
+        </p:spPr>
+        <p:txBody>
+          <a:bodyPr vert="horz" wrap="square" lIns="146304" tIns="91440" rIns="146304" bIns="91440" rtlCol="0">
+            <a:spAutoFit/>
+          </a:bodyPr>
+          <a:lstStyle>
+            <a:lvl1pPr marL="0" marR="0" indent="0" algn="l" defTabSz="932742" rtl="0" eaLnBrk="1" fontAlgn="auto" latinLnBrk="0" hangingPunct="1">
+              <a:lnSpc>
+                <a:spcPct val="90000"/>
+              </a:lnSpc>
+              <a:spcBef>
+                <a:spcPct val="20000"/>
+              </a:spcBef>
+              <a:spcAft>
+                <a:spcPts val="0"/>
+              </a:spcAft>
+              <a:buClrTx/>
+              <a:buSzPct val="90000"/>
+              <a:buFont typeface="Arial" pitchFamily="34" charset="0"/>
+              <a:buNone/>
+              <a:tabLst/>
+              <a:defRPr lang="en-US" sz="4000" kern="1200" spc="0" baseline="0">
+                <a:gradFill>
+                  <a:gsLst>
+                    <a:gs pos="1250">
+                      <a:schemeClr val="tx1"/>
+                    </a:gs>
+                    <a:gs pos="99000">
+                      <a:schemeClr val="tx1"/>
+                    </a:gs>
+                  </a:gsLst>
+                  <a:lin ang="5400000" scaled="0"/>
+                </a:gradFill>
+                <a:latin typeface="+mj-lt"/>
+                <a:ea typeface="+mn-ea"/>
+                <a:cs typeface="+mn-cs"/>
+              </a:defRPr>
+            </a:lvl1pPr>
+            <a:lvl2pPr marL="0" marR="0" indent="0" algn="l" defTabSz="932742" rtl="0" eaLnBrk="1" fontAlgn="auto" latinLnBrk="0" hangingPunct="1">
+              <a:lnSpc>
+                <a:spcPct val="90000"/>
+              </a:lnSpc>
+              <a:spcBef>
+                <a:spcPct val="20000"/>
+              </a:spcBef>
+              <a:spcAft>
+                <a:spcPts val="0"/>
+              </a:spcAft>
+              <a:buClrTx/>
+              <a:buSzPct val="90000"/>
+              <a:buFontTx/>
+              <a:buNone/>
+              <a:tabLst/>
+              <a:defRPr lang="en-US" sz="2400" kern="1200" spc="0" baseline="0">
+                <a:gradFill>
+                  <a:gsLst>
+                    <a:gs pos="1250">
+                      <a:schemeClr val="tx1"/>
+                    </a:gs>
+                    <a:gs pos="100000">
+                      <a:schemeClr val="tx1"/>
+                    </a:gs>
+                  </a:gsLst>
+                  <a:lin ang="5400000" scaled="0"/>
+                </a:gradFill>
+                <a:latin typeface="+mn-lt"/>
+                <a:ea typeface="+mn-ea"/>
+                <a:cs typeface="Segoe UI" panose="020B0502040204020203" pitchFamily="34" charset="0"/>
+              </a:defRPr>
+            </a:lvl2pPr>
+            <a:lvl3pPr marL="228600" marR="0" indent="0" algn="l" defTabSz="932742" rtl="0" eaLnBrk="1" fontAlgn="auto" latinLnBrk="0" hangingPunct="1">
+              <a:lnSpc>
+                <a:spcPct val="90000"/>
+              </a:lnSpc>
+              <a:spcBef>
+                <a:spcPct val="20000"/>
+              </a:spcBef>
+              <a:spcAft>
+                <a:spcPts val="0"/>
+              </a:spcAft>
+              <a:buClrTx/>
+              <a:buSzPct val="90000"/>
+              <a:buFont typeface="Arial" pitchFamily="34" charset="0"/>
+              <a:buNone/>
+              <a:tabLst/>
+              <a:defRPr sz="2000" kern="1200" spc="0" baseline="0">
+                <a:gradFill>
+                  <a:gsLst>
+                    <a:gs pos="1250">
+                      <a:schemeClr val="tx1"/>
+                    </a:gs>
+                    <a:gs pos="100000">
+                      <a:schemeClr val="tx1"/>
+                    </a:gs>
+                  </a:gsLst>
+                  <a:lin ang="5400000" scaled="0"/>
+                </a:gradFill>
+                <a:latin typeface="+mn-lt"/>
+                <a:ea typeface="+mn-ea"/>
+                <a:cs typeface="Segoe UI" panose="020B0502040204020203" pitchFamily="34" charset="0"/>
+              </a:defRPr>
+            </a:lvl3pPr>
+            <a:lvl4pPr marL="457200" marR="0" indent="0" algn="l" defTabSz="932742" rtl="0" eaLnBrk="1" fontAlgn="auto" latinLnBrk="0" hangingPunct="1">
+              <a:lnSpc>
+                <a:spcPct val="90000"/>
+              </a:lnSpc>
+              <a:spcBef>
+                <a:spcPct val="20000"/>
+              </a:spcBef>
+              <a:spcAft>
+                <a:spcPts val="0"/>
+              </a:spcAft>
+              <a:buClrTx/>
+              <a:buSzPct val="90000"/>
+              <a:buFont typeface="Arial" pitchFamily="34" charset="0"/>
+              <a:buNone/>
+              <a:tabLst/>
+              <a:defRPr sz="1800" kern="1200" spc="0" baseline="0">
+                <a:gradFill>
+                  <a:gsLst>
+                    <a:gs pos="1250">
+                      <a:schemeClr val="tx1"/>
+                    </a:gs>
+                    <a:gs pos="100000">
+                      <a:schemeClr val="tx1"/>
+                    </a:gs>
+                  </a:gsLst>
+                  <a:lin ang="5400000" scaled="0"/>
+                </a:gradFill>
+                <a:latin typeface="+mn-lt"/>
+                <a:ea typeface="+mn-ea"/>
+                <a:cs typeface="Segoe UI" panose="020B0502040204020203" pitchFamily="34" charset="0"/>
+              </a:defRPr>
+            </a:lvl4pPr>
+            <a:lvl5pPr marL="685800" marR="0" indent="0" algn="l" defTabSz="932742" rtl="0" eaLnBrk="1" fontAlgn="auto" latinLnBrk="0" hangingPunct="1">
+              <a:lnSpc>
+                <a:spcPct val="90000"/>
+              </a:lnSpc>
+              <a:spcBef>
+                <a:spcPct val="20000"/>
+              </a:spcBef>
+              <a:spcAft>
+                <a:spcPts val="0"/>
+              </a:spcAft>
+              <a:buClrTx/>
+              <a:buSzPct val="90000"/>
+              <a:buFont typeface="Arial" pitchFamily="34" charset="0"/>
+              <a:buNone/>
+              <a:tabLst/>
+              <a:defRPr sz="1800" kern="1200" spc="0" baseline="0">
+                <a:gradFill>
+                  <a:gsLst>
+                    <a:gs pos="1250">
+                      <a:schemeClr val="tx1"/>
+                    </a:gs>
+                    <a:gs pos="100000">
+                      <a:schemeClr val="tx1"/>
+                    </a:gs>
+                  </a:gsLst>
+                  <a:lin ang="5400000" scaled="0"/>
+                </a:gradFill>
+                <a:latin typeface="+mn-lt"/>
+                <a:ea typeface="+mn-ea"/>
+                <a:cs typeface="Segoe UI" panose="020B0502040204020203" pitchFamily="34" charset="0"/>
+              </a:defRPr>
+            </a:lvl5pPr>
+            <a:lvl6pPr marL="2565040" indent="-233186" algn="l" defTabSz="932742" rtl="0" eaLnBrk="1" latinLnBrk="0" hangingPunct="1">
+              <a:spcBef>
+                <a:spcPct val="20000"/>
+              </a:spcBef>
+              <a:buFont typeface="Arial" pitchFamily="34" charset="0"/>
+              <a:buChar char="•"/>
+              <a:defRPr sz="2000" kern="1200">
+                <a:solidFill>
+                  <a:schemeClr val="tx1"/>
+                </a:solidFill>
+                <a:latin typeface="+mn-lt"/>
+                <a:ea typeface="+mn-ea"/>
+                <a:cs typeface="+mn-cs"/>
+              </a:defRPr>
+            </a:lvl6pPr>
+            <a:lvl7pPr marL="3031412" indent="-233186" algn="l" defTabSz="932742" rtl="0" eaLnBrk="1" latinLnBrk="0" hangingPunct="1">
+              <a:spcBef>
+                <a:spcPct val="20000"/>
+              </a:spcBef>
+              <a:buFont typeface="Arial" pitchFamily="34" charset="0"/>
+              <a:buChar char="•"/>
+              <a:defRPr sz="2000" kern="1200">
+                <a:solidFill>
+                  <a:schemeClr val="tx1"/>
+                </a:solidFill>
+                <a:latin typeface="+mn-lt"/>
+                <a:ea typeface="+mn-ea"/>
+                <a:cs typeface="+mn-cs"/>
+              </a:defRPr>
+            </a:lvl7pPr>
+            <a:lvl8pPr marL="3497783" indent="-233186" algn="l" defTabSz="932742" rtl="0" eaLnBrk="1" latinLnBrk="0" hangingPunct="1">
+              <a:spcBef>
+                <a:spcPct val="20000"/>
+              </a:spcBef>
+              <a:buFont typeface="Arial" pitchFamily="34" charset="0"/>
+              <a:buChar char="•"/>
+              <a:defRPr sz="2000" kern="1200">
+                <a:solidFill>
+                  <a:schemeClr val="tx1"/>
+                </a:solidFill>
+                <a:latin typeface="+mn-lt"/>
+                <a:ea typeface="+mn-ea"/>
+                <a:cs typeface="+mn-cs"/>
+              </a:defRPr>
+            </a:lvl8pPr>
+            <a:lvl9pPr marL="3964155" indent="-233186" algn="l" defTabSz="932742" rtl="0" eaLnBrk="1" latinLnBrk="0" hangingPunct="1">
+              <a:spcBef>
+                <a:spcPct val="20000"/>
+              </a:spcBef>
+              <a:buFont typeface="Arial" pitchFamily="34" charset="0"/>
+              <a:buChar char="•"/>
+              <a:defRPr sz="2000" kern="1200">
+                <a:solidFill>
+                  <a:schemeClr val="tx1"/>
+                </a:solidFill>
+                <a:latin typeface="+mn-lt"/>
+                <a:ea typeface="+mn-ea"/>
+                <a:cs typeface="+mn-cs"/>
+              </a:defRPr>
+            </a:lvl9pPr>
+          </a:lstStyle>
+          <a:p>
+            <a:r>
+              <a:rPr lang="en-US" dirty="0">
+                <a:latin typeface="+mn-lt"/>
+              </a:rPr>
+              <a:t>Part 3</a:t>
+            </a:r>
+          </a:p>
+          <a:p>
+            <a:pPr marL="571500" indent="-571500">
+              <a:buFontTx/>
+              <a:buChar char="-"/>
+            </a:pPr>
+            <a:r>
+              <a:rPr lang="en-US" sz="4400" dirty="0">
+                <a:latin typeface="+mn-lt"/>
+              </a:rPr>
+              <a:t>Replace back end stateless service with a </a:t>
+            </a:r>
+            <a:r>
+              <a:rPr lang="en-US" sz="4400" dirty="0" err="1">
+                <a:latin typeface="+mn-lt"/>
+              </a:rPr>
+              <a:t>stateful</a:t>
+            </a:r>
+            <a:r>
+              <a:rPr lang="en-US" sz="4400" dirty="0">
+                <a:latin typeface="+mn-lt"/>
+              </a:rPr>
+              <a:t> service</a:t>
+            </a:r>
+          </a:p>
+          <a:p>
+            <a:pPr marL="571500" indent="-571500">
+              <a:buFontTx/>
+              <a:buChar char="-"/>
+            </a:pPr>
+            <a:r>
+              <a:rPr lang="en-US" sz="4400" dirty="0">
+                <a:latin typeface="+mn-lt"/>
+              </a:rPr>
+              <a:t>Have front end reference endpoint via Naming Service</a:t>
+            </a:r>
+          </a:p>
+        </p:txBody>
+      </p:sp>
+      <p:sp>
+        <p:nvSpPr>
+          <p:cNvPr id="11" name="Rectangle 10"/>
+          <p:cNvSpPr/>
+          <p:nvPr/>
+        </p:nvSpPr>
+        <p:spPr>
+          <a:xfrm>
+            <a:off x="350837" y="5630862"/>
+            <a:ext cx="11734800" cy="707886"/>
+          </a:xfrm>
+          <a:prstGeom prst="rect">
+            <a:avLst/>
+          </a:prstGeom>
+        </p:spPr>
+        <p:txBody>
+          <a:bodyPr wrap="square">
+            <a:spAutoFit/>
+          </a:bodyPr>
+          <a:lstStyle/>
+          <a:p>
+            <a:pPr algn="ctr"/>
+            <a:r>
+              <a:rPr lang="en-US" sz="4000" b="1" dirty="0"/>
+              <a:t>https://aka.ms/brent-servicefabric-bhworkshop</a:t>
+            </a:r>
+            <a:endParaRPr lang="en-US" sz="2400" dirty="0"/>
+          </a:p>
+        </p:txBody>
+      </p:sp>
+    </p:spTree>
+    <p:extLst>
+      <p:ext uri="{BB962C8B-B14F-4D97-AF65-F5344CB8AC3E}">
+        <p14:creationId xmlns:p14="http://schemas.microsoft.com/office/powerpoint/2010/main" val="3868084602"/>
       </p:ext>
     </p:extLst>
   </p:cSld>
@@ -18288,96 +18300,6 @@
 </file>
 
 <file path=customXml/item1.xml><?xml version="1.0" encoding="utf-8"?>
-<p:properties xmlns:p="http://schemas.microsoft.com/office/2006/metadata/properties" xmlns:xsi="http://www.w3.org/2001/XMLSchema-instance" xmlns:pc="http://schemas.microsoft.com/office/infopath/2007/PartnerControls">
-  <documentManagement>
-    <LikesCount xmlns="http://schemas.microsoft.com/sharepoint/v3" xsi:nil="true"/>
-    <d12e2661e9634d9aa98bbb375f31aced xmlns="01c77077-aee4-4b5f-bd4e-9cd40a6fff29">
-      <Terms xmlns="http://schemas.microsoft.com/office/infopath/2007/PartnerControls">
-        <TermInfo xmlns="http://schemas.microsoft.com/office/infopath/2007/PartnerControls">
-          <TermName xmlns="http://schemas.microsoft.com/office/infopath/2007/PartnerControls">Moscone Center</TermName>
-          <TermId xmlns="http://schemas.microsoft.com/office/infopath/2007/PartnerControls">d4f36a2e-dd0d-4424-990f-7c93b4e9f063</TermId>
-        </TermInfo>
-      </Terms>
-    </d12e2661e9634d9aa98bbb375f31aced>
-    <Event_x0020_Start_x0020_Date xmlns="01c77077-aee4-4b5f-bd4e-9cd40a6fff29">2016-03-30T07:00:00+00:00</Event_x0020_Start_x0020_Date>
-    <Target_x0020_Audiences xmlns="8ff673fc-3231-4e3a-893b-6d7f7cd32766" xsi:nil="true"/>
-    <iaa5f83406f94009a0f6a3e890699ff7 xmlns="01c77077-aee4-4b5f-bd4e-9cd40a6fff29">
-      <Terms xmlns="http://schemas.microsoft.com/office/infopath/2007/PartnerControls">
-        <TermInfo xmlns="http://schemas.microsoft.com/office/infopath/2007/PartnerControls">
-          <TermName xmlns="http://schemas.microsoft.com/office/infopath/2007/PartnerControls">San Francisco</TermName>
-          <TermId xmlns="http://schemas.microsoft.com/office/infopath/2007/PartnerControls">84dfcb53-432b-499d-8965-93d483d36b4a</TermId>
-        </TermInfo>
-      </Terms>
-    </iaa5f83406f94009a0f6a3e890699ff7>
-    <External_x0020_Speaker xmlns="01c77077-aee4-4b5f-bd4e-9cd40a6fff29" xsi:nil="true"/>
-    <m6878b9dd7994da4ba144f95347d99c6 xmlns="01c77077-aee4-4b5f-bd4e-9cd40a6fff29">
-      <Terms xmlns="http://schemas.microsoft.com/office/infopath/2007/PartnerControls"/>
-    </m6878b9dd7994da4ba144f95347d99c6>
-    <Presentation_x0020_Date xmlns="01c77077-aee4-4b5f-bd4e-9cd40a6fff29" xsi:nil="true"/>
-    <fc15c16204564de583b4c942b10d19ec xmlns="01c77077-aee4-4b5f-bd4e-9cd40a6fff29">
-      <Terms xmlns="http://schemas.microsoft.com/office/infopath/2007/PartnerControls"/>
-    </fc15c16204564de583b4c942b10d19ec>
-    <mb2e01f7e2d8413988e28e59aa226eec xmlns="01c77077-aee4-4b5f-bd4e-9cd40a6fff29">
-      <Terms xmlns="http://schemas.microsoft.com/office/infopath/2007/PartnerControls">
-        <TermInfo xmlns="http://schemas.microsoft.com/office/infopath/2007/PartnerControls">
-          <TermName xmlns="http://schemas.microsoft.com/office/infopath/2007/PartnerControls">Build</TermName>
-          <TermId xmlns="http://schemas.microsoft.com/office/infopath/2007/PartnerControls">58542b36-5bf5-46a6-a53f-a41fb7a73785</TermId>
-        </TermInfo>
-      </Terms>
-    </mb2e01f7e2d8413988e28e59aa226eec>
-    <MS_x0020_Content_x0020_Owner xmlns="01c77077-aee4-4b5f-bd4e-9cd40a6fff29">
-      <UserInfo>
-        <DisplayName/>
-        <AccountId xsi:nil="true"/>
-        <AccountType/>
-      </UserInfo>
-    </MS_x0020_Content_x0020_Owner>
-    <Session_x0020_Code xmlns="01c77077-aee4-4b5f-bd4e-9cd40a6fff29" xsi:nil="true"/>
-    <Event_x0020_End_x0020_Date xmlns="01c77077-aee4-4b5f-bd4e-9cd40a6fff29">2016-04-01T07:00:00+00:00</Event_x0020_End_x0020_Date>
-    <o1010385baed4da9b5076a6aa651d1e5 xmlns="01c77077-aee4-4b5f-bd4e-9cd40a6fff29">
-      <Terms xmlns="http://schemas.microsoft.com/office/infopath/2007/PartnerControls"/>
-    </o1010385baed4da9b5076a6aa651d1e5>
-    <kc6d1bd9a46e4e5fbbbf99ca3de7a092 xmlns="01c77077-aee4-4b5f-bd4e-9cd40a6fff29">
-      <Terms xmlns="http://schemas.microsoft.com/office/infopath/2007/PartnerControls"/>
-    </kc6d1bd9a46e4e5fbbbf99ca3de7a092>
-    <MS_x0020_Speaker xmlns="01c77077-aee4-4b5f-bd4e-9cd40a6fff29">
-      <UserInfo>
-        <DisplayName/>
-        <AccountId xsi:nil="true"/>
-        <AccountType/>
-      </UserInfo>
-    </MS_x0020_Speaker>
-    <TaxKeywordTaxHTField xmlns="230e9df3-be65-4c73-a93b-d1236ebd677e">
-      <Terms xmlns="http://schemas.microsoft.com/office/infopath/2007/PartnerControls">
-        <TermInfo xmlns="http://schemas.microsoft.com/office/infopath/2007/PartnerControls">
-          <TermName xmlns="http://schemas.microsoft.com/office/infopath/2007/PartnerControls">Microsoft Build 2016</TermName>
-          <TermId xmlns="http://schemas.microsoft.com/office/infopath/2007/PartnerControls">da8a10b5-9bc3-4217-80aa-6b60d6ec1cee</TermId>
-        </TermInfo>
-      </Terms>
-    </TaxKeywordTaxHTField>
-    <TaxCatchAll xmlns="230e9df3-be65-4c73-a93b-d1236ebd677e">
-      <Value>48</Value>
-      <Value>47</Value>
-      <Value>46</Value>
-      <Value>49</Value>
-    </TaxCatchAll>
-    <NumberofDownloads xmlns="230e9df3-be65-4c73-a93b-d1236ebd677e" xsi:nil="true"/>
-    <_ip_UnifiedCompliancePolicyUIAction xmlns="http://schemas.microsoft.com/sharepoint/v3" xsi:nil="true"/>
-    <_ip_UnifiedCompliancePolicyProperties xmlns="http://schemas.microsoft.com/sharepoint/v3" xsi:nil="true"/>
-  </documentManagement>
-</p:properties>
-</file>
-
-<file path=customXml/item2.xml><?xml version="1.0" encoding="utf-8"?>
-<?mso-contentType ?>
-<FormTemplates xmlns="http://schemas.microsoft.com/sharepoint/v3/contenttype/forms">
-  <Display>DocumentLibraryForm</Display>
-  <Edit>DocumentLibraryForm</Edit>
-  <New>DocumentLibraryForm</New>
-</FormTemplates>
-</file>
-
-<file path=customXml/item3.xml><?xml version="1.0" encoding="utf-8"?>
 <ct:contentTypeSchema xmlns:ct="http://schemas.microsoft.com/office/2006/metadata/contentType" xmlns:ma="http://schemas.microsoft.com/office/2006/metadata/properties/metaAttributes" ct:_="" ma:_="" ma:contentTypeName="PresentationsDoc" ma:contentTypeID="0x01010031DCF4CA090F824DB1E4CCBB6B9D64EA00101E8AAD132F8F4D96340D6376C8BB3E" ma:contentTypeVersion="26" ma:contentTypeDescription="" ma:contentTypeScope="" ma:versionID="637d2002f1ba4164d39fe098da629583">
   <xsd:schema xmlns:xsd="http://www.w3.org/2001/XMLSchema" xmlns:xs="http://www.w3.org/2001/XMLSchema" xmlns:p="http://schemas.microsoft.com/office/2006/metadata/properties" xmlns:ns1="http://schemas.microsoft.com/sharepoint/v3" xmlns:ns2="01c77077-aee4-4b5f-bd4e-9cd40a6fff29" xmlns:ns3="230e9df3-be65-4c73-a93b-d1236ebd677e" xmlns:ns5="8ff673fc-3231-4e3a-893b-6d7f7cd32766" targetNamespace="http://schemas.microsoft.com/office/2006/metadata/properties" ma:root="true" ma:fieldsID="3017d9e36cc87838c67006ed06be3b3f" ns1:_="" ns2:_="" ns3:_="" ns5:_="">
     <xsd:import namespace="http://schemas.microsoft.com/sharepoint/v3"/>
@@ -18760,34 +18682,97 @@
 </ct:contentTypeSchema>
 </file>
 
-<file path=customXml/itemProps1.xml><?xml version="1.0" encoding="utf-8"?>
-<ds:datastoreItem xmlns:ds="http://schemas.openxmlformats.org/officeDocument/2006/customXml" ds:itemID="{F990F116-B58F-4255-B05B-DA3808E0E5C6}">
-  <ds:schemaRefs>
-    <ds:schemaRef ds:uri="http://schemas.microsoft.com/sharepoint/v3"/>
-    <ds:schemaRef ds:uri="230e9df3-be65-4c73-a93b-d1236ebd677e"/>
-    <ds:schemaRef ds:uri="01c77077-aee4-4b5f-bd4e-9cd40a6fff29"/>
-    <ds:schemaRef ds:uri="http://purl.org/dc/terms/"/>
-    <ds:schemaRef ds:uri="http://schemas.microsoft.com/office/infopath/2007/PartnerControls"/>
-    <ds:schemaRef ds:uri="http://schemas.microsoft.com/office/2006/documentManagement/types"/>
-    <ds:schemaRef ds:uri="http://schemas.microsoft.com/office/2006/metadata/properties"/>
-    <ds:schemaRef ds:uri="http://purl.org/dc/elements/1.1/"/>
-    <ds:schemaRef ds:uri="http://schemas.openxmlformats.org/package/2006/metadata/core-properties"/>
-    <ds:schemaRef ds:uri="8ff673fc-3231-4e3a-893b-6d7f7cd32766"/>
-    <ds:schemaRef ds:uri="http://www.w3.org/XML/1998/namespace"/>
-    <ds:schemaRef ds:uri="http://purl.org/dc/dcmitype/"/>
-  </ds:schemaRefs>
-</ds:datastoreItem>
+<file path=customXml/item2.xml><?xml version="1.0" encoding="utf-8"?>
+<?mso-contentType ?>
+<FormTemplates xmlns="http://schemas.microsoft.com/sharepoint/v3/contenttype/forms">
+  <Display>DocumentLibraryForm</Display>
+  <Edit>DocumentLibraryForm</Edit>
+  <New>DocumentLibraryForm</New>
+</FormTemplates>
 </file>
 
-<file path=customXml/itemProps2.xml><?xml version="1.0" encoding="utf-8"?>
-<ds:datastoreItem xmlns:ds="http://schemas.openxmlformats.org/officeDocument/2006/customXml" ds:itemID="{758FDAC0-319D-4A54-8D8E-1D42CB1F8004}">
-  <ds:schemaRefs>
-    <ds:schemaRef ds:uri="http://schemas.microsoft.com/sharepoint/v3/contenttype/forms"/>
-  </ds:schemaRefs>
-</ds:datastoreItem>
+<file path=customXml/item3.xml><?xml version="1.0" encoding="utf-8"?>
+<p:properties xmlns:p="http://schemas.microsoft.com/office/2006/metadata/properties" xmlns:xsi="http://www.w3.org/2001/XMLSchema-instance" xmlns:pc="http://schemas.microsoft.com/office/infopath/2007/PartnerControls">
+  <documentManagement>
+    <LikesCount xmlns="http://schemas.microsoft.com/sharepoint/v3" xsi:nil="true"/>
+    <d12e2661e9634d9aa98bbb375f31aced xmlns="01c77077-aee4-4b5f-bd4e-9cd40a6fff29">
+      <Terms xmlns="http://schemas.microsoft.com/office/infopath/2007/PartnerControls">
+        <TermInfo xmlns="http://schemas.microsoft.com/office/infopath/2007/PartnerControls">
+          <TermName xmlns="http://schemas.microsoft.com/office/infopath/2007/PartnerControls">Moscone Center</TermName>
+          <TermId xmlns="http://schemas.microsoft.com/office/infopath/2007/PartnerControls">d4f36a2e-dd0d-4424-990f-7c93b4e9f063</TermId>
+        </TermInfo>
+      </Terms>
+    </d12e2661e9634d9aa98bbb375f31aced>
+    <Event_x0020_Start_x0020_Date xmlns="01c77077-aee4-4b5f-bd4e-9cd40a6fff29">2016-03-30T07:00:00+00:00</Event_x0020_Start_x0020_Date>
+    <Target_x0020_Audiences xmlns="8ff673fc-3231-4e3a-893b-6d7f7cd32766" xsi:nil="true"/>
+    <iaa5f83406f94009a0f6a3e890699ff7 xmlns="01c77077-aee4-4b5f-bd4e-9cd40a6fff29">
+      <Terms xmlns="http://schemas.microsoft.com/office/infopath/2007/PartnerControls">
+        <TermInfo xmlns="http://schemas.microsoft.com/office/infopath/2007/PartnerControls">
+          <TermName xmlns="http://schemas.microsoft.com/office/infopath/2007/PartnerControls">San Francisco</TermName>
+          <TermId xmlns="http://schemas.microsoft.com/office/infopath/2007/PartnerControls">84dfcb53-432b-499d-8965-93d483d36b4a</TermId>
+        </TermInfo>
+      </Terms>
+    </iaa5f83406f94009a0f6a3e890699ff7>
+    <External_x0020_Speaker xmlns="01c77077-aee4-4b5f-bd4e-9cd40a6fff29" xsi:nil="true"/>
+    <m6878b9dd7994da4ba144f95347d99c6 xmlns="01c77077-aee4-4b5f-bd4e-9cd40a6fff29">
+      <Terms xmlns="http://schemas.microsoft.com/office/infopath/2007/PartnerControls"/>
+    </m6878b9dd7994da4ba144f95347d99c6>
+    <Presentation_x0020_Date xmlns="01c77077-aee4-4b5f-bd4e-9cd40a6fff29" xsi:nil="true"/>
+    <fc15c16204564de583b4c942b10d19ec xmlns="01c77077-aee4-4b5f-bd4e-9cd40a6fff29">
+      <Terms xmlns="http://schemas.microsoft.com/office/infopath/2007/PartnerControls"/>
+    </fc15c16204564de583b4c942b10d19ec>
+    <mb2e01f7e2d8413988e28e59aa226eec xmlns="01c77077-aee4-4b5f-bd4e-9cd40a6fff29">
+      <Terms xmlns="http://schemas.microsoft.com/office/infopath/2007/PartnerControls">
+        <TermInfo xmlns="http://schemas.microsoft.com/office/infopath/2007/PartnerControls">
+          <TermName xmlns="http://schemas.microsoft.com/office/infopath/2007/PartnerControls">Build</TermName>
+          <TermId xmlns="http://schemas.microsoft.com/office/infopath/2007/PartnerControls">58542b36-5bf5-46a6-a53f-a41fb7a73785</TermId>
+        </TermInfo>
+      </Terms>
+    </mb2e01f7e2d8413988e28e59aa226eec>
+    <MS_x0020_Content_x0020_Owner xmlns="01c77077-aee4-4b5f-bd4e-9cd40a6fff29">
+      <UserInfo>
+        <DisplayName/>
+        <AccountId xsi:nil="true"/>
+        <AccountType/>
+      </UserInfo>
+    </MS_x0020_Content_x0020_Owner>
+    <Session_x0020_Code xmlns="01c77077-aee4-4b5f-bd4e-9cd40a6fff29" xsi:nil="true"/>
+    <Event_x0020_End_x0020_Date xmlns="01c77077-aee4-4b5f-bd4e-9cd40a6fff29">2016-04-01T07:00:00+00:00</Event_x0020_End_x0020_Date>
+    <o1010385baed4da9b5076a6aa651d1e5 xmlns="01c77077-aee4-4b5f-bd4e-9cd40a6fff29">
+      <Terms xmlns="http://schemas.microsoft.com/office/infopath/2007/PartnerControls"/>
+    </o1010385baed4da9b5076a6aa651d1e5>
+    <kc6d1bd9a46e4e5fbbbf99ca3de7a092 xmlns="01c77077-aee4-4b5f-bd4e-9cd40a6fff29">
+      <Terms xmlns="http://schemas.microsoft.com/office/infopath/2007/PartnerControls"/>
+    </kc6d1bd9a46e4e5fbbbf99ca3de7a092>
+    <MS_x0020_Speaker xmlns="01c77077-aee4-4b5f-bd4e-9cd40a6fff29">
+      <UserInfo>
+        <DisplayName/>
+        <AccountId xsi:nil="true"/>
+        <AccountType/>
+      </UserInfo>
+    </MS_x0020_Speaker>
+    <TaxKeywordTaxHTField xmlns="230e9df3-be65-4c73-a93b-d1236ebd677e">
+      <Terms xmlns="http://schemas.microsoft.com/office/infopath/2007/PartnerControls">
+        <TermInfo xmlns="http://schemas.microsoft.com/office/infopath/2007/PartnerControls">
+          <TermName xmlns="http://schemas.microsoft.com/office/infopath/2007/PartnerControls">Microsoft Build 2016</TermName>
+          <TermId xmlns="http://schemas.microsoft.com/office/infopath/2007/PartnerControls">da8a10b5-9bc3-4217-80aa-6b60d6ec1cee</TermId>
+        </TermInfo>
+      </Terms>
+    </TaxKeywordTaxHTField>
+    <TaxCatchAll xmlns="230e9df3-be65-4c73-a93b-d1236ebd677e">
+      <Value>48</Value>
+      <Value>47</Value>
+      <Value>46</Value>
+      <Value>49</Value>
+    </TaxCatchAll>
+    <NumberofDownloads xmlns="230e9df3-be65-4c73-a93b-d1236ebd677e" xsi:nil="true"/>
+    <_ip_UnifiedCompliancePolicyUIAction xmlns="http://schemas.microsoft.com/sharepoint/v3" xsi:nil="true"/>
+    <_ip_UnifiedCompliancePolicyProperties xmlns="http://schemas.microsoft.com/sharepoint/v3" xsi:nil="true"/>
+  </documentManagement>
+</p:properties>
 </file>
 
-<file path=customXml/itemProps3.xml><?xml version="1.0" encoding="utf-8"?>
+<file path=customXml/itemProps1.xml><?xml version="1.0" encoding="utf-8"?>
 <ds:datastoreItem xmlns:ds="http://schemas.openxmlformats.org/officeDocument/2006/customXml" ds:itemID="{DC1FDA5B-0E88-4BFF-BA4D-5ECB6C5776B2}">
   <ds:schemaRefs>
     <ds:schemaRef ds:uri="http://schemas.microsoft.com/office/2006/metadata/contentType"/>
@@ -18806,4 +18791,31 @@
     <ds:schemaRef ds:uri="http://schemas.microsoft.com/internal/obd"/>
   </ds:schemaRefs>
 </ds:datastoreItem>
+</file>
+
+<file path=customXml/itemProps2.xml><?xml version="1.0" encoding="utf-8"?>
+<ds:datastoreItem xmlns:ds="http://schemas.openxmlformats.org/officeDocument/2006/customXml" ds:itemID="{758FDAC0-319D-4A54-8D8E-1D42CB1F8004}">
+  <ds:schemaRefs>
+    <ds:schemaRef ds:uri="http://schemas.microsoft.com/sharepoint/v3/contenttype/forms"/>
+  </ds:schemaRefs>
+</ds:datastoreItem>
+</file>
+
+<file path=customXml/itemProps3.xml><?xml version="1.0" encoding="utf-8"?>
+<ds:datastoreItem xmlns:ds="http://schemas.openxmlformats.org/officeDocument/2006/customXml" ds:itemID="{F990F116-B58F-4255-B05B-DA3808E0E5C6}">
+  <ds:schemaRefs>
+    <ds:schemaRef ds:uri="http://schemas.microsoft.com/sharepoint/v3"/>
+    <ds:schemaRef ds:uri="230e9df3-be65-4c73-a93b-d1236ebd677e"/>
+    <ds:schemaRef ds:uri="01c77077-aee4-4b5f-bd4e-9cd40a6fff29"/>
+    <ds:schemaRef ds:uri="http://purl.org/dc/terms/"/>
+    <ds:schemaRef ds:uri="http://schemas.microsoft.com/office/infopath/2007/PartnerControls"/>
+    <ds:schemaRef ds:uri="http://schemas.microsoft.com/office/2006/documentManagement/types"/>
+    <ds:schemaRef ds:uri="http://schemas.microsoft.com/office/2006/metadata/properties"/>
+    <ds:schemaRef ds:uri="http://purl.org/dc/elements/1.1/"/>
+    <ds:schemaRef ds:uri="http://schemas.openxmlformats.org/package/2006/metadata/core-properties"/>
+    <ds:schemaRef ds:uri="8ff673fc-3231-4e3a-893b-6d7f7cd32766"/>
+    <ds:schemaRef ds:uri="http://www.w3.org/XML/1998/namespace"/>
+    <ds:schemaRef ds:uri="http://purl.org/dc/dcmitype/"/>
+  </ds:schemaRefs>
+</ds:datastoreItem>
 </file>